--- a/Publications/trunk/2012/IKEPS/Submitted/Figures/Figures.pptx
+++ b/Publications/trunk/2012/IKEPS/Submitted/Figures/Figures.pptx
@@ -16,6 +16,9 @@
     <p:sldId id="264" r:id="rId10"/>
     <p:sldId id="265" r:id="rId11"/>
     <p:sldId id="266" r:id="rId12"/>
+    <p:sldId id="267" r:id="rId13"/>
+    <p:sldId id="268" r:id="rId14"/>
+    <p:sldId id="269" r:id="rId15"/>
   </p:sldIdLst>
   <p:sldSz cx="9144000" cy="6858000" type="screen4x3"/>
   <p:notesSz cx="6858000" cy="9144000"/>
@@ -298,7 +301,7 @@
           <a:p>
             <a:fld id="{1E9B8AF5-EFAB-3141-9A6D-82E91B20F679}" type="datetimeFigureOut">
               <a:rPr lang="en-US" smtClean="0"/>
-              <a:t>2/28/12</a:t>
+              <a:t>5/17/12</a:t>
             </a:fld>
             <a:endParaRPr lang="en-US"/>
           </a:p>
@@ -468,7 +471,7 @@
           <a:p>
             <a:fld id="{1E9B8AF5-EFAB-3141-9A6D-82E91B20F679}" type="datetimeFigureOut">
               <a:rPr lang="en-US" smtClean="0"/>
-              <a:t>2/28/12</a:t>
+              <a:t>5/17/12</a:t>
             </a:fld>
             <a:endParaRPr lang="en-US"/>
           </a:p>
@@ -648,7 +651,7 @@
           <a:p>
             <a:fld id="{1E9B8AF5-EFAB-3141-9A6D-82E91B20F679}" type="datetimeFigureOut">
               <a:rPr lang="en-US" smtClean="0"/>
-              <a:t>2/28/12</a:t>
+              <a:t>5/17/12</a:t>
             </a:fld>
             <a:endParaRPr lang="en-US"/>
           </a:p>
@@ -818,7 +821,7 @@
           <a:p>
             <a:fld id="{1E9B8AF5-EFAB-3141-9A6D-82E91B20F679}" type="datetimeFigureOut">
               <a:rPr lang="en-US" smtClean="0"/>
-              <a:t>2/28/12</a:t>
+              <a:t>5/17/12</a:t>
             </a:fld>
             <a:endParaRPr lang="en-US"/>
           </a:p>
@@ -1064,7 +1067,7 @@
           <a:p>
             <a:fld id="{1E9B8AF5-EFAB-3141-9A6D-82E91B20F679}" type="datetimeFigureOut">
               <a:rPr lang="en-US" smtClean="0"/>
-              <a:t>2/28/12</a:t>
+              <a:t>5/17/12</a:t>
             </a:fld>
             <a:endParaRPr lang="en-US"/>
           </a:p>
@@ -1352,7 +1355,7 @@
           <a:p>
             <a:fld id="{1E9B8AF5-EFAB-3141-9A6D-82E91B20F679}" type="datetimeFigureOut">
               <a:rPr lang="en-US" smtClean="0"/>
-              <a:t>2/28/12</a:t>
+              <a:t>5/17/12</a:t>
             </a:fld>
             <a:endParaRPr lang="en-US"/>
           </a:p>
@@ -1774,7 +1777,7 @@
           <a:p>
             <a:fld id="{1E9B8AF5-EFAB-3141-9A6D-82E91B20F679}" type="datetimeFigureOut">
               <a:rPr lang="en-US" smtClean="0"/>
-              <a:t>2/28/12</a:t>
+              <a:t>5/17/12</a:t>
             </a:fld>
             <a:endParaRPr lang="en-US"/>
           </a:p>
@@ -1892,7 +1895,7 @@
           <a:p>
             <a:fld id="{1E9B8AF5-EFAB-3141-9A6D-82E91B20F679}" type="datetimeFigureOut">
               <a:rPr lang="en-US" smtClean="0"/>
-              <a:t>2/28/12</a:t>
+              <a:t>5/17/12</a:t>
             </a:fld>
             <a:endParaRPr lang="en-US"/>
           </a:p>
@@ -1987,7 +1990,7 @@
           <a:p>
             <a:fld id="{1E9B8AF5-EFAB-3141-9A6D-82E91B20F679}" type="datetimeFigureOut">
               <a:rPr lang="en-US" smtClean="0"/>
-              <a:t>2/28/12</a:t>
+              <a:t>5/17/12</a:t>
             </a:fld>
             <a:endParaRPr lang="en-US"/>
           </a:p>
@@ -2264,7 +2267,7 @@
           <a:p>
             <a:fld id="{1E9B8AF5-EFAB-3141-9A6D-82E91B20F679}" type="datetimeFigureOut">
               <a:rPr lang="en-US" smtClean="0"/>
-              <a:t>2/28/12</a:t>
+              <a:t>5/17/12</a:t>
             </a:fld>
             <a:endParaRPr lang="en-US"/>
           </a:p>
@@ -2517,7 +2520,7 @@
           <a:p>
             <a:fld id="{1E9B8AF5-EFAB-3141-9A6D-82E91B20F679}" type="datetimeFigureOut">
               <a:rPr lang="en-US" smtClean="0"/>
-              <a:t>2/28/12</a:t>
+              <a:t>5/17/12</a:t>
             </a:fld>
             <a:endParaRPr lang="en-US"/>
           </a:p>
@@ -2730,7 +2733,7 @@
           <a:p>
             <a:fld id="{1E9B8AF5-EFAB-3141-9A6D-82E91B20F679}" type="datetimeFigureOut">
               <a:rPr lang="en-US" smtClean="0"/>
-              <a:t>2/28/12</a:t>
+              <a:t>5/17/12</a:t>
             </a:fld>
             <a:endParaRPr lang="en-US"/>
           </a:p>
@@ -3515,6 +3518,296 @@
     <p:extLst>
       <p:ext uri="{BB962C8B-B14F-4D97-AF65-F5344CB8AC3E}">
         <p14:creationId xmlns:p14="http://schemas.microsoft.com/office/powerpoint/2010/main" val="3966926764"/>
+      </p:ext>
+    </p:extLst>
+  </p:cSld>
+  <p:clrMapOvr>
+    <a:masterClrMapping/>
+  </p:clrMapOvr>
+</p:sld>
+</file>
+
+<file path=ppt/slides/slide12.xml><?xml version="1.0" encoding="utf-8"?>
+<p:sld xmlns:a="http://schemas.openxmlformats.org/drawingml/2006/main" xmlns:r="http://schemas.openxmlformats.org/officeDocument/2006/relationships" xmlns:p="http://schemas.openxmlformats.org/presentationml/2006/main">
+  <p:cSld>
+    <p:spTree>
+      <p:nvGrpSpPr>
+        <p:cNvPr id="1" name=""/>
+        <p:cNvGrpSpPr/>
+        <p:nvPr/>
+      </p:nvGrpSpPr>
+      <p:grpSpPr>
+        <a:xfrm>
+          <a:off x="0" y="0"/>
+          <a:ext cx="0" cy="0"/>
+          <a:chOff x="0" y="0"/>
+          <a:chExt cx="0" cy="0"/>
+        </a:xfrm>
+      </p:grpSpPr>
+      <p:graphicFrame>
+        <p:nvGraphicFramePr>
+          <p:cNvPr id="8" name="Object 7"/>
+          <p:cNvGraphicFramePr>
+            <a:graphicFrameLocks noChangeAspect="1"/>
+          </p:cNvGraphicFramePr>
+          <p:nvPr>
+            <p:extLst>
+              <p:ext uri="{D42A27DB-BD31-4B8C-83A1-F6EECF244321}">
+                <p14:modId xmlns:p14="http://schemas.microsoft.com/office/powerpoint/2010/main" val="3343209266"/>
+              </p:ext>
+            </p:extLst>
+          </p:nvPr>
+        </p:nvGraphicFramePr>
+        <p:xfrm>
+          <a:off x="1402349" y="1366107"/>
+          <a:ext cx="6343138" cy="3212758"/>
+        </p:xfrm>
+        <a:graphic>
+          <a:graphicData uri="http://schemas.openxmlformats.org/presentationml/2006/ole">
+            <mc:AlternateContent xmlns:mc="http://schemas.openxmlformats.org/markup-compatibility/2006">
+              <mc:Choice xmlns:v="urn:schemas-microsoft-com:vml" Requires="v">
+                <p:oleObj spid="_x0000_s1030" name="Document" r:id="rId3" imgW="5867400" imgH="2971800" progId="Word.Document.12">
+                  <p:embed/>
+                </p:oleObj>
+              </mc:Choice>
+              <mc:Fallback>
+                <p:oleObj name="Document" r:id="rId3" imgW="5867400" imgH="2971800" progId="Word.Document.12">
+                  <p:embed/>
+                  <p:pic>
+                    <p:nvPicPr>
+                      <p:cNvPr id="0" name=""/>
+                      <p:cNvPicPr/>
+                      <p:nvPr/>
+                    </p:nvPicPr>
+                    <p:blipFill>
+                      <a:blip r:embed="rId4"/>
+                      <a:stretch>
+                        <a:fillRect/>
+                      </a:stretch>
+                    </p:blipFill>
+                    <p:spPr>
+                      <a:xfrm>
+                        <a:off x="1402349" y="1366107"/>
+                        <a:ext cx="6343138" cy="3212758"/>
+                      </a:xfrm>
+                      <a:prstGeom prst="rect">
+                        <a:avLst/>
+                      </a:prstGeom>
+                    </p:spPr>
+                  </p:pic>
+                </p:oleObj>
+              </mc:Fallback>
+            </mc:AlternateContent>
+          </a:graphicData>
+        </a:graphic>
+      </p:graphicFrame>
+    </p:spTree>
+    <p:extLst>
+      <p:ext uri="{BB962C8B-B14F-4D97-AF65-F5344CB8AC3E}">
+        <p14:creationId xmlns:p14="http://schemas.microsoft.com/office/powerpoint/2010/main" val="2246009437"/>
+      </p:ext>
+    </p:extLst>
+  </p:cSld>
+  <p:clrMapOvr>
+    <a:masterClrMapping/>
+  </p:clrMapOvr>
+</p:sld>
+</file>
+
+<file path=ppt/slides/slide13.xml><?xml version="1.0" encoding="utf-8"?>
+<p:sld xmlns:a="http://schemas.openxmlformats.org/drawingml/2006/main" xmlns:r="http://schemas.openxmlformats.org/officeDocument/2006/relationships" xmlns:p="http://schemas.openxmlformats.org/presentationml/2006/main">
+  <p:cSld>
+    <p:spTree>
+      <p:nvGrpSpPr>
+        <p:cNvPr id="1" name=""/>
+        <p:cNvGrpSpPr/>
+        <p:nvPr/>
+      </p:nvGrpSpPr>
+      <p:grpSpPr>
+        <a:xfrm>
+          <a:off x="0" y="0"/>
+          <a:ext cx="0" cy="0"/>
+          <a:chOff x="0" y="0"/>
+          <a:chExt cx="0" cy="0"/>
+        </a:xfrm>
+      </p:grpSpPr>
+      <p:pic>
+        <p:nvPicPr>
+          <p:cNvPr id="2" name="Picture 1"/>
+          <p:cNvPicPr>
+            <a:picLocks noChangeAspect="1"/>
+          </p:cNvPicPr>
+          <p:nvPr/>
+        </p:nvPicPr>
+        <p:blipFill>
+          <a:blip r:embed="rId2"/>
+          <a:stretch>
+            <a:fillRect/>
+          </a:stretch>
+        </p:blipFill>
+        <p:spPr>
+          <a:xfrm>
+            <a:off x="1114026" y="798590"/>
+            <a:ext cx="3238300" cy="1261475"/>
+          </a:xfrm>
+          <a:prstGeom prst="rect">
+            <a:avLst/>
+          </a:prstGeom>
+        </p:spPr>
+      </p:pic>
+      <p:pic>
+        <p:nvPicPr>
+          <p:cNvPr id="3" name="Picture 2"/>
+          <p:cNvPicPr>
+            <a:picLocks noChangeAspect="1"/>
+          </p:cNvPicPr>
+          <p:nvPr/>
+        </p:nvPicPr>
+        <p:blipFill>
+          <a:blip r:embed="rId3"/>
+          <a:stretch>
+            <a:fillRect/>
+          </a:stretch>
+        </p:blipFill>
+        <p:spPr>
+          <a:xfrm>
+            <a:off x="1114026" y="2123697"/>
+            <a:ext cx="3238300" cy="1389989"/>
+          </a:xfrm>
+          <a:prstGeom prst="rect">
+            <a:avLst/>
+          </a:prstGeom>
+        </p:spPr>
+      </p:pic>
+      <p:pic>
+        <p:nvPicPr>
+          <p:cNvPr id="4" name="Picture 3"/>
+          <p:cNvPicPr>
+            <a:picLocks noChangeAspect="1"/>
+          </p:cNvPicPr>
+          <p:nvPr/>
+        </p:nvPicPr>
+        <p:blipFill>
+          <a:blip r:embed="rId4"/>
+          <a:stretch>
+            <a:fillRect/>
+          </a:stretch>
+        </p:blipFill>
+        <p:spPr>
+          <a:xfrm>
+            <a:off x="4757521" y="798590"/>
+            <a:ext cx="2046621" cy="2334254"/>
+          </a:xfrm>
+          <a:prstGeom prst="rect">
+            <a:avLst/>
+          </a:prstGeom>
+        </p:spPr>
+      </p:pic>
+      <p:pic>
+        <p:nvPicPr>
+          <p:cNvPr id="5" name="Picture 4"/>
+          <p:cNvPicPr>
+            <a:picLocks noChangeAspect="1"/>
+          </p:cNvPicPr>
+          <p:nvPr/>
+        </p:nvPicPr>
+        <p:blipFill>
+          <a:blip r:embed="rId5"/>
+          <a:stretch>
+            <a:fillRect/>
+          </a:stretch>
+        </p:blipFill>
+        <p:spPr>
+          <a:xfrm>
+            <a:off x="1114025" y="3717941"/>
+            <a:ext cx="4247433" cy="2191930"/>
+          </a:xfrm>
+          <a:prstGeom prst="rect">
+            <a:avLst/>
+          </a:prstGeom>
+        </p:spPr>
+      </p:pic>
+      <p:pic>
+        <p:nvPicPr>
+          <p:cNvPr id="6" name="Picture 5"/>
+          <p:cNvPicPr>
+            <a:picLocks noChangeAspect="1"/>
+          </p:cNvPicPr>
+          <p:nvPr/>
+        </p:nvPicPr>
+        <p:blipFill rotWithShape="1">
+          <a:blip r:embed="rId6"/>
+          <a:srcRect l="-1" r="44540"/>
+          <a:stretch/>
+        </p:blipFill>
+        <p:spPr>
+          <a:xfrm>
+            <a:off x="5409545" y="3717941"/>
+            <a:ext cx="1394597" cy="1485900"/>
+          </a:xfrm>
+          <a:prstGeom prst="rect">
+            <a:avLst/>
+          </a:prstGeom>
+        </p:spPr>
+      </p:pic>
+    </p:spTree>
+    <p:extLst>
+      <p:ext uri="{BB962C8B-B14F-4D97-AF65-F5344CB8AC3E}">
+        <p14:creationId xmlns:p14="http://schemas.microsoft.com/office/powerpoint/2010/main" val="2389958964"/>
+      </p:ext>
+    </p:extLst>
+  </p:cSld>
+  <p:clrMapOvr>
+    <a:masterClrMapping/>
+  </p:clrMapOvr>
+</p:sld>
+</file>
+
+<file path=ppt/slides/slide14.xml><?xml version="1.0" encoding="utf-8"?>
+<p:sld xmlns:a="http://schemas.openxmlformats.org/drawingml/2006/main" xmlns:r="http://schemas.openxmlformats.org/officeDocument/2006/relationships" xmlns:p="http://schemas.openxmlformats.org/presentationml/2006/main">
+  <p:cSld>
+    <p:spTree>
+      <p:nvGrpSpPr>
+        <p:cNvPr id="1" name=""/>
+        <p:cNvGrpSpPr/>
+        <p:nvPr/>
+      </p:nvGrpSpPr>
+      <p:grpSpPr>
+        <a:xfrm>
+          <a:off x="0" y="0"/>
+          <a:ext cx="0" cy="0"/>
+          <a:chOff x="0" y="0"/>
+          <a:chExt cx="0" cy="0"/>
+        </a:xfrm>
+      </p:grpSpPr>
+      <p:pic>
+        <p:nvPicPr>
+          <p:cNvPr id="2" name="Picture 1"/>
+          <p:cNvPicPr>
+            <a:picLocks noChangeAspect="1"/>
+          </p:cNvPicPr>
+          <p:nvPr/>
+        </p:nvPicPr>
+        <p:blipFill>
+          <a:blip r:embed="rId2"/>
+          <a:stretch>
+            <a:fillRect/>
+          </a:stretch>
+        </p:blipFill>
+        <p:spPr>
+          <a:xfrm>
+            <a:off x="1120119" y="1482811"/>
+            <a:ext cx="6423681" cy="3609889"/>
+          </a:xfrm>
+          <a:prstGeom prst="rect">
+            <a:avLst/>
+          </a:prstGeom>
+        </p:spPr>
+      </p:pic>
+    </p:spTree>
+    <p:extLst>
+      <p:ext uri="{BB962C8B-B14F-4D97-AF65-F5344CB8AC3E}">
+        <p14:creationId xmlns:p14="http://schemas.microsoft.com/office/powerpoint/2010/main" val="3816311257"/>
       </p:ext>
     </p:extLst>
   </p:cSld>
